--- a/ATMOS.pptx
+++ b/ATMOS.pptx
@@ -5,7 +5,7 @@
     <p:sldMasterId id="2147483658" r:id="rId1"/>
   </p:sldMasterIdLst>
   <p:notesMasterIdLst>
-    <p:notesMasterId r:id="rId31"/>
+    <p:notesMasterId r:id="rId32"/>
   </p:notesMasterIdLst>
   <p:sldIdLst>
     <p:sldId id="256" r:id="rId2"/>
@@ -34,26 +34,27 @@
     <p:sldId id="319" r:id="rId25"/>
     <p:sldId id="265" r:id="rId26"/>
     <p:sldId id="314" r:id="rId27"/>
-    <p:sldId id="315" r:id="rId28"/>
-    <p:sldId id="316" r:id="rId29"/>
-    <p:sldId id="317" r:id="rId30"/>
+    <p:sldId id="325" r:id="rId28"/>
+    <p:sldId id="315" r:id="rId29"/>
+    <p:sldId id="316" r:id="rId30"/>
+    <p:sldId id="317" r:id="rId31"/>
   </p:sldIdLst>
   <p:sldSz cx="9144000" cy="5143500" type="screen16x9"/>
   <p:notesSz cx="6858000" cy="9144000"/>
   <p:embeddedFontLst>
     <p:embeddedFont>
       <p:font typeface="Lora" panose="020B0604020202020204" charset="0"/>
-      <p:regular r:id="rId32"/>
-      <p:bold r:id="rId33"/>
-      <p:italic r:id="rId34"/>
-      <p:boldItalic r:id="rId35"/>
+      <p:regular r:id="rId33"/>
+      <p:bold r:id="rId34"/>
+      <p:italic r:id="rId35"/>
+      <p:boldItalic r:id="rId36"/>
     </p:embeddedFont>
     <p:embeddedFont>
       <p:font typeface="Quattrocento Sans" panose="020B0604020202020204" charset="0"/>
-      <p:regular r:id="rId36"/>
-      <p:bold r:id="rId37"/>
-      <p:italic r:id="rId38"/>
-      <p:boldItalic r:id="rId39"/>
+      <p:regular r:id="rId37"/>
+      <p:bold r:id="rId38"/>
+      <p:italic r:id="rId39"/>
+      <p:boldItalic r:id="rId40"/>
     </p:embeddedFont>
   </p:embeddedFontLst>
   <p:defaultTextStyle>
@@ -2894,7 +2895,7 @@
     </p:spTree>
     <p:extLst>
       <p:ext uri="{BB962C8B-B14F-4D97-AF65-F5344CB8AC3E}">
-        <p14:creationId xmlns:p14="http://schemas.microsoft.com/office/powerpoint/2010/main" val="312370410"/>
+        <p14:creationId xmlns:p14="http://schemas.microsoft.com/office/powerpoint/2010/main" val="99129882"/>
       </p:ext>
     </p:extLst>
   </p:cSld>
@@ -3003,7 +3004,7 @@
     </p:spTree>
     <p:extLst>
       <p:ext uri="{BB962C8B-B14F-4D97-AF65-F5344CB8AC3E}">
-        <p14:creationId xmlns:p14="http://schemas.microsoft.com/office/powerpoint/2010/main" val="513656747"/>
+        <p14:creationId xmlns:p14="http://schemas.microsoft.com/office/powerpoint/2010/main" val="312370410"/>
       </p:ext>
     </p:extLst>
   </p:cSld>
@@ -3112,7 +3113,7 @@
     </p:spTree>
     <p:extLst>
       <p:ext uri="{BB962C8B-B14F-4D97-AF65-F5344CB8AC3E}">
-        <p14:creationId xmlns:p14="http://schemas.microsoft.com/office/powerpoint/2010/main" val="3742012120"/>
+        <p14:creationId xmlns:p14="http://schemas.microsoft.com/office/powerpoint/2010/main" val="513656747"/>
       </p:ext>
     </p:extLst>
   </p:cSld>
@@ -3222,6 +3223,115 @@
     <p:extLst>
       <p:ext uri="{BB962C8B-B14F-4D97-AF65-F5344CB8AC3E}">
         <p14:creationId xmlns:p14="http://schemas.microsoft.com/office/powerpoint/2010/main" val="3281344659"/>
+      </p:ext>
+    </p:extLst>
+  </p:cSld>
+  <p:clrMapOvr>
+    <a:masterClrMapping/>
+  </p:clrMapOvr>
+</p:notes>
+</file>
+
+<file path=ppt/notesSlides/notesSlide30.xml><?xml version="1.0" encoding="utf-8"?>
+<p:notes xmlns:a="http://schemas.openxmlformats.org/drawingml/2006/main" xmlns:r="http://schemas.openxmlformats.org/officeDocument/2006/relationships" xmlns:p="http://schemas.openxmlformats.org/presentationml/2006/main" showMasterSp="0" showMasterPhAnim="0">
+  <p:cSld>
+    <p:spTree>
+      <p:nvGrpSpPr>
+        <p:cNvPr id="1" name="Shape 120"/>
+        <p:cNvGrpSpPr/>
+        <p:nvPr/>
+      </p:nvGrpSpPr>
+      <p:grpSpPr>
+        <a:xfrm>
+          <a:off x="0" y="0"/>
+          <a:ext cx="0" cy="0"/>
+          <a:chOff x="0" y="0"/>
+          <a:chExt cx="0" cy="0"/>
+        </a:xfrm>
+      </p:grpSpPr>
+      <p:sp>
+        <p:nvSpPr>
+          <p:cNvPr id="121" name="Google Shape;121;p:notes"/>
+          <p:cNvSpPr>
+            <a:spLocks noGrp="1" noRot="1" noChangeAspect="1"/>
+          </p:cNvSpPr>
+          <p:nvPr>
+            <p:ph type="sldImg" idx="2"/>
+          </p:nvPr>
+        </p:nvSpPr>
+        <p:spPr>
+          <a:xfrm>
+            <a:off x="381000" y="685800"/>
+            <a:ext cx="6096000" cy="3429000"/>
+          </a:xfrm>
+          <a:custGeom>
+            <a:avLst/>
+            <a:gdLst/>
+            <a:ahLst/>
+            <a:cxnLst/>
+            <a:rect l="l" t="t" r="r" b="b"/>
+            <a:pathLst>
+              <a:path w="120000" h="120000" extrusionOk="0">
+                <a:moveTo>
+                  <a:pt x="0" y="0"/>
+                </a:moveTo>
+                <a:lnTo>
+                  <a:pt x="120000" y="0"/>
+                </a:lnTo>
+                <a:lnTo>
+                  <a:pt x="120000" y="120000"/>
+                </a:lnTo>
+                <a:lnTo>
+                  <a:pt x="0" y="120000"/>
+                </a:lnTo>
+                <a:close/>
+              </a:path>
+            </a:pathLst>
+          </a:custGeom>
+        </p:spPr>
+      </p:sp>
+      <p:sp>
+        <p:nvSpPr>
+          <p:cNvPr id="122" name="Google Shape;122;p:notes"/>
+          <p:cNvSpPr txBox="1">
+            <a:spLocks noGrp="1"/>
+          </p:cNvSpPr>
+          <p:nvPr>
+            <p:ph type="body" idx="1"/>
+          </p:nvPr>
+        </p:nvSpPr>
+        <p:spPr>
+          <a:xfrm>
+            <a:off x="685800" y="4343400"/>
+            <a:ext cx="5486400" cy="4114800"/>
+          </a:xfrm>
+          <a:prstGeom prst="rect">
+            <a:avLst/>
+          </a:prstGeom>
+        </p:spPr>
+        <p:txBody>
+          <a:bodyPr spcFirstLastPara="1" wrap="square" lIns="91425" tIns="91425" rIns="91425" bIns="91425" anchor="t" anchorCtr="0">
+            <a:noAutofit/>
+          </a:bodyPr>
+          <a:lstStyle/>
+          <a:p>
+            <a:pPr marL="0" lvl="0" indent="0" algn="l" rtl="0">
+              <a:spcBef>
+                <a:spcPts val="0"/>
+              </a:spcBef>
+              <a:spcAft>
+                <a:spcPts val="0"/>
+              </a:spcAft>
+              <a:buNone/>
+            </a:pPr>
+            <a:endParaRPr dirty="0"/>
+          </a:p>
+        </p:txBody>
+      </p:sp>
+    </p:spTree>
+    <p:extLst>
+      <p:ext uri="{BB962C8B-B14F-4D97-AF65-F5344CB8AC3E}">
+        <p14:creationId xmlns:p14="http://schemas.microsoft.com/office/powerpoint/2010/main" val="3742012120"/>
       </p:ext>
     </p:extLst>
   </p:cSld>
@@ -20276,6 +20386,737 @@
         </p:nvSpPr>
         <p:spPr>
           <a:xfrm>
+            <a:off x="1381249" y="896112"/>
+            <a:ext cx="4186173" cy="435600"/>
+          </a:xfrm>
+          <a:prstGeom prst="rect">
+            <a:avLst/>
+          </a:prstGeom>
+        </p:spPr>
+        <p:txBody>
+          <a:bodyPr spcFirstLastPara="1" wrap="square" lIns="91425" tIns="91425" rIns="91425" bIns="91425" anchor="ctr" anchorCtr="0">
+            <a:noAutofit/>
+          </a:bodyPr>
+          <a:lstStyle/>
+          <a:p>
+            <a:r>
+              <a:rPr lang="en-PH" sz="1500" dirty="0"/>
+              <a:t>Changes/adjustments being considered</a:t>
+            </a:r>
+          </a:p>
+        </p:txBody>
+      </p:sp>
+      <p:sp>
+        <p:nvSpPr>
+          <p:cNvPr id="125" name="Google Shape;125;p17"/>
+          <p:cNvSpPr txBox="1">
+            <a:spLocks noGrp="1"/>
+          </p:cNvSpPr>
+          <p:nvPr>
+            <p:ph type="body" idx="1"/>
+          </p:nvPr>
+        </p:nvSpPr>
+        <p:spPr>
+          <a:xfrm>
+            <a:off x="1381250" y="1616470"/>
+            <a:ext cx="6809700" cy="3112200"/>
+          </a:xfrm>
+          <a:prstGeom prst="rect">
+            <a:avLst/>
+          </a:prstGeom>
+        </p:spPr>
+        <p:txBody>
+          <a:bodyPr spcFirstLastPara="1" wrap="square" lIns="91425" tIns="91425" rIns="91425" bIns="91425" anchor="t" anchorCtr="0">
+            <a:noAutofit/>
+          </a:bodyPr>
+          <a:lstStyle/>
+          <a:p>
+            <a:r>
+              <a:rPr lang="en-US" sz="2800" dirty="0"/>
+              <a:t>Holistic approach</a:t>
+            </a:r>
+          </a:p>
+          <a:p>
+            <a:r>
+              <a:rPr lang="en-PH" sz="2800" dirty="0"/>
+              <a:t>Anomaly detection</a:t>
+            </a:r>
+          </a:p>
+          <a:p>
+            <a:r>
+              <a:rPr lang="en-US" sz="2800" dirty="0"/>
+              <a:t>Background subtraction</a:t>
+            </a:r>
+          </a:p>
+          <a:p>
+            <a:r>
+              <a:rPr lang="en-PH" sz="2800" dirty="0"/>
+              <a:t>SVM</a:t>
+            </a:r>
+          </a:p>
+          <a:p>
+            <a:r>
+              <a:rPr lang="en-PH" sz="2800"/>
+              <a:t>R-CNN</a:t>
+            </a:r>
+            <a:endParaRPr lang="en-PH" sz="2800" dirty="0"/>
+          </a:p>
+        </p:txBody>
+      </p:sp>
+      <p:grpSp>
+        <p:nvGrpSpPr>
+          <p:cNvPr id="126" name="Google Shape;126;p17"/>
+          <p:cNvGrpSpPr/>
+          <p:nvPr/>
+        </p:nvGrpSpPr>
+        <p:grpSpPr>
+          <a:xfrm>
+            <a:off x="916458" y="1019750"/>
+            <a:ext cx="214625" cy="214625"/>
+            <a:chOff x="2594050" y="1631825"/>
+            <a:chExt cx="439625" cy="439625"/>
+          </a:xfrm>
+        </p:grpSpPr>
+        <p:sp>
+          <p:nvSpPr>
+            <p:cNvPr id="127" name="Google Shape;127;p17"/>
+            <p:cNvSpPr/>
+            <p:nvPr/>
+          </p:nvSpPr>
+          <p:spPr>
+            <a:xfrm>
+              <a:off x="2594050" y="1883300"/>
+              <a:ext cx="188175" cy="188150"/>
+            </a:xfrm>
+            <a:custGeom>
+              <a:avLst/>
+              <a:gdLst/>
+              <a:ahLst/>
+              <a:cxnLst/>
+              <a:rect l="l" t="t" r="r" b="b"/>
+              <a:pathLst>
+                <a:path w="7527" h="7526" fill="none" extrusionOk="0">
+                  <a:moveTo>
+                    <a:pt x="5992" y="0"/>
+                  </a:moveTo>
+                  <a:lnTo>
+                    <a:pt x="537" y="6430"/>
+                  </a:lnTo>
+                  <a:lnTo>
+                    <a:pt x="1" y="7526"/>
+                  </a:lnTo>
+                  <a:lnTo>
+                    <a:pt x="1097" y="6990"/>
+                  </a:lnTo>
+                  <a:lnTo>
+                    <a:pt x="7526" y="1534"/>
+                  </a:lnTo>
+                  <a:lnTo>
+                    <a:pt x="5992" y="0"/>
+                  </a:lnTo>
+                  <a:close/>
+                </a:path>
+              </a:pathLst>
+            </a:custGeom>
+            <a:noFill/>
+            <a:ln w="9525" cap="rnd" cmpd="sng">
+              <a:solidFill>
+                <a:srgbClr val="000000"/>
+              </a:solidFill>
+              <a:prstDash val="solid"/>
+              <a:round/>
+              <a:headEnd type="none" w="sm" len="sm"/>
+              <a:tailEnd type="none" w="sm" len="sm"/>
+            </a:ln>
+          </p:spPr>
+          <p:txBody>
+            <a:bodyPr spcFirstLastPara="1" wrap="square" lIns="91425" tIns="91425" rIns="91425" bIns="91425" anchor="ctr" anchorCtr="0">
+              <a:noAutofit/>
+            </a:bodyPr>
+            <a:lstStyle/>
+            <a:p>
+              <a:pPr marL="0" lvl="0" indent="0" algn="l" rtl="0">
+                <a:spcBef>
+                  <a:spcPts val="0"/>
+                </a:spcBef>
+                <a:spcAft>
+                  <a:spcPts val="0"/>
+                </a:spcAft>
+                <a:buNone/>
+              </a:pPr>
+              <a:endParaRPr/>
+            </a:p>
+          </p:txBody>
+        </p:sp>
+        <p:sp>
+          <p:nvSpPr>
+            <p:cNvPr id="128" name="Google Shape;128;p17"/>
+            <p:cNvSpPr/>
+            <p:nvPr/>
+          </p:nvSpPr>
+          <p:spPr>
+            <a:xfrm>
+              <a:off x="2857700" y="1631825"/>
+              <a:ext cx="175975" cy="176000"/>
+            </a:xfrm>
+            <a:custGeom>
+              <a:avLst/>
+              <a:gdLst/>
+              <a:ahLst/>
+              <a:cxnLst/>
+              <a:rect l="l" t="t" r="r" b="b"/>
+              <a:pathLst>
+                <a:path w="7039" h="7040" fill="none" extrusionOk="0">
+                  <a:moveTo>
+                    <a:pt x="268" y="2704"/>
+                  </a:moveTo>
+                  <a:lnTo>
+                    <a:pt x="4336" y="6771"/>
+                  </a:lnTo>
+                  <a:lnTo>
+                    <a:pt x="4336" y="6771"/>
+                  </a:lnTo>
+                  <a:lnTo>
+                    <a:pt x="4336" y="6771"/>
+                  </a:lnTo>
+                  <a:lnTo>
+                    <a:pt x="4652" y="6917"/>
+                  </a:lnTo>
+                  <a:lnTo>
+                    <a:pt x="4993" y="7015"/>
+                  </a:lnTo>
+                  <a:lnTo>
+                    <a:pt x="5310" y="7039"/>
+                  </a:lnTo>
+                  <a:lnTo>
+                    <a:pt x="5651" y="7039"/>
+                  </a:lnTo>
+                  <a:lnTo>
+                    <a:pt x="5992" y="6966"/>
+                  </a:lnTo>
+                  <a:lnTo>
+                    <a:pt x="6308" y="6844"/>
+                  </a:lnTo>
+                  <a:lnTo>
+                    <a:pt x="6454" y="6747"/>
+                  </a:lnTo>
+                  <a:lnTo>
+                    <a:pt x="6601" y="6674"/>
+                  </a:lnTo>
+                  <a:lnTo>
+                    <a:pt x="6747" y="6552"/>
+                  </a:lnTo>
+                  <a:lnTo>
+                    <a:pt x="6893" y="6430"/>
+                  </a:lnTo>
+                  <a:lnTo>
+                    <a:pt x="6893" y="6430"/>
+                  </a:lnTo>
+                  <a:lnTo>
+                    <a:pt x="6942" y="6357"/>
+                  </a:lnTo>
+                  <a:lnTo>
+                    <a:pt x="7015" y="6260"/>
+                  </a:lnTo>
+                  <a:lnTo>
+                    <a:pt x="7039" y="6138"/>
+                  </a:lnTo>
+                  <a:lnTo>
+                    <a:pt x="7039" y="6041"/>
+                  </a:lnTo>
+                  <a:lnTo>
+                    <a:pt x="7039" y="6041"/>
+                  </a:lnTo>
+                  <a:lnTo>
+                    <a:pt x="7039" y="5943"/>
+                  </a:lnTo>
+                  <a:lnTo>
+                    <a:pt x="7015" y="5846"/>
+                  </a:lnTo>
+                  <a:lnTo>
+                    <a:pt x="6942" y="5748"/>
+                  </a:lnTo>
+                  <a:lnTo>
+                    <a:pt x="6893" y="5651"/>
+                  </a:lnTo>
+                  <a:lnTo>
+                    <a:pt x="1389" y="147"/>
+                  </a:lnTo>
+                  <a:lnTo>
+                    <a:pt x="1389" y="147"/>
+                  </a:lnTo>
+                  <a:lnTo>
+                    <a:pt x="1291" y="98"/>
+                  </a:lnTo>
+                  <a:lnTo>
+                    <a:pt x="1194" y="25"/>
+                  </a:lnTo>
+                  <a:lnTo>
+                    <a:pt x="1096" y="0"/>
+                  </a:lnTo>
+                  <a:lnTo>
+                    <a:pt x="999" y="0"/>
+                  </a:lnTo>
+                  <a:lnTo>
+                    <a:pt x="999" y="0"/>
+                  </a:lnTo>
+                  <a:lnTo>
+                    <a:pt x="902" y="0"/>
+                  </a:lnTo>
+                  <a:lnTo>
+                    <a:pt x="780" y="25"/>
+                  </a:lnTo>
+                  <a:lnTo>
+                    <a:pt x="682" y="98"/>
+                  </a:lnTo>
+                  <a:lnTo>
+                    <a:pt x="609" y="147"/>
+                  </a:lnTo>
+                  <a:lnTo>
+                    <a:pt x="609" y="147"/>
+                  </a:lnTo>
+                  <a:lnTo>
+                    <a:pt x="487" y="293"/>
+                  </a:lnTo>
+                  <a:lnTo>
+                    <a:pt x="366" y="439"/>
+                  </a:lnTo>
+                  <a:lnTo>
+                    <a:pt x="293" y="585"/>
+                  </a:lnTo>
+                  <a:lnTo>
+                    <a:pt x="195" y="731"/>
+                  </a:lnTo>
+                  <a:lnTo>
+                    <a:pt x="73" y="1048"/>
+                  </a:lnTo>
+                  <a:lnTo>
+                    <a:pt x="0" y="1389"/>
+                  </a:lnTo>
+                  <a:lnTo>
+                    <a:pt x="0" y="1730"/>
+                  </a:lnTo>
+                  <a:lnTo>
+                    <a:pt x="25" y="2046"/>
+                  </a:lnTo>
+                  <a:lnTo>
+                    <a:pt x="122" y="2387"/>
+                  </a:lnTo>
+                  <a:lnTo>
+                    <a:pt x="268" y="2704"/>
+                  </a:lnTo>
+                  <a:lnTo>
+                    <a:pt x="268" y="2704"/>
+                  </a:lnTo>
+                  <a:close/>
+                </a:path>
+              </a:pathLst>
+            </a:custGeom>
+            <a:noFill/>
+            <a:ln w="9525" cap="rnd" cmpd="sng">
+              <a:solidFill>
+                <a:srgbClr val="000000"/>
+              </a:solidFill>
+              <a:prstDash val="solid"/>
+              <a:round/>
+              <a:headEnd type="none" w="sm" len="sm"/>
+              <a:tailEnd type="none" w="sm" len="sm"/>
+            </a:ln>
+          </p:spPr>
+          <p:txBody>
+            <a:bodyPr spcFirstLastPara="1" wrap="square" lIns="91425" tIns="91425" rIns="91425" bIns="91425" anchor="ctr" anchorCtr="0">
+              <a:noAutofit/>
+            </a:bodyPr>
+            <a:lstStyle/>
+            <a:p>
+              <a:pPr marL="0" lvl="0" indent="0" algn="l" rtl="0">
+                <a:spcBef>
+                  <a:spcPts val="0"/>
+                </a:spcBef>
+                <a:spcAft>
+                  <a:spcPts val="0"/>
+                </a:spcAft>
+                <a:buNone/>
+              </a:pPr>
+              <a:endParaRPr/>
+            </a:p>
+          </p:txBody>
+        </p:sp>
+        <p:sp>
+          <p:nvSpPr>
+            <p:cNvPr id="129" name="Google Shape;129;p17"/>
+            <p:cNvSpPr/>
+            <p:nvPr/>
+          </p:nvSpPr>
+          <p:spPr>
+            <a:xfrm>
+              <a:off x="2662850" y="1699400"/>
+              <a:ext cx="303250" cy="303250"/>
+            </a:xfrm>
+            <a:custGeom>
+              <a:avLst/>
+              <a:gdLst/>
+              <a:ahLst/>
+              <a:cxnLst/>
+              <a:rect l="l" t="t" r="r" b="b"/>
+              <a:pathLst>
+                <a:path w="12130" h="12130" fill="none" extrusionOk="0">
+                  <a:moveTo>
+                    <a:pt x="8038" y="1"/>
+                  </a:moveTo>
+                  <a:lnTo>
+                    <a:pt x="4872" y="3191"/>
+                  </a:lnTo>
+                  <a:lnTo>
+                    <a:pt x="4872" y="3191"/>
+                  </a:lnTo>
+                  <a:lnTo>
+                    <a:pt x="4628" y="3094"/>
+                  </a:lnTo>
+                  <a:lnTo>
+                    <a:pt x="4385" y="2997"/>
+                  </a:lnTo>
+                  <a:lnTo>
+                    <a:pt x="4092" y="2899"/>
+                  </a:lnTo>
+                  <a:lnTo>
+                    <a:pt x="3800" y="2850"/>
+                  </a:lnTo>
+                  <a:lnTo>
+                    <a:pt x="3484" y="2777"/>
+                  </a:lnTo>
+                  <a:lnTo>
+                    <a:pt x="3167" y="2729"/>
+                  </a:lnTo>
+                  <a:lnTo>
+                    <a:pt x="2850" y="2704"/>
+                  </a:lnTo>
+                  <a:lnTo>
+                    <a:pt x="2534" y="2704"/>
+                  </a:lnTo>
+                  <a:lnTo>
+                    <a:pt x="2534" y="2704"/>
+                  </a:lnTo>
+                  <a:lnTo>
+                    <a:pt x="2241" y="2704"/>
+                  </a:lnTo>
+                  <a:lnTo>
+                    <a:pt x="1949" y="2729"/>
+                  </a:lnTo>
+                  <a:lnTo>
+                    <a:pt x="1633" y="2777"/>
+                  </a:lnTo>
+                  <a:lnTo>
+                    <a:pt x="1316" y="2850"/>
+                  </a:lnTo>
+                  <a:lnTo>
+                    <a:pt x="999" y="2972"/>
+                  </a:lnTo>
+                  <a:lnTo>
+                    <a:pt x="707" y="3094"/>
+                  </a:lnTo>
+                  <a:lnTo>
+                    <a:pt x="415" y="3289"/>
+                  </a:lnTo>
+                  <a:lnTo>
+                    <a:pt x="147" y="3508"/>
+                  </a:lnTo>
+                  <a:lnTo>
+                    <a:pt x="147" y="3508"/>
+                  </a:lnTo>
+                  <a:lnTo>
+                    <a:pt x="74" y="3581"/>
+                  </a:lnTo>
+                  <a:lnTo>
+                    <a:pt x="25" y="3678"/>
+                  </a:lnTo>
+                  <a:lnTo>
+                    <a:pt x="1" y="3776"/>
+                  </a:lnTo>
+                  <a:lnTo>
+                    <a:pt x="1" y="3898"/>
+                  </a:lnTo>
+                  <a:lnTo>
+                    <a:pt x="1" y="3898"/>
+                  </a:lnTo>
+                  <a:lnTo>
+                    <a:pt x="1" y="3995"/>
+                  </a:lnTo>
+                  <a:lnTo>
+                    <a:pt x="25" y="4093"/>
+                  </a:lnTo>
+                  <a:lnTo>
+                    <a:pt x="74" y="4190"/>
+                  </a:lnTo>
+                  <a:lnTo>
+                    <a:pt x="147" y="4287"/>
+                  </a:lnTo>
+                  <a:lnTo>
+                    <a:pt x="7843" y="11984"/>
+                  </a:lnTo>
+                  <a:lnTo>
+                    <a:pt x="7843" y="11984"/>
+                  </a:lnTo>
+                  <a:lnTo>
+                    <a:pt x="7941" y="12057"/>
+                  </a:lnTo>
+                  <a:lnTo>
+                    <a:pt x="8038" y="12105"/>
+                  </a:lnTo>
+                  <a:lnTo>
+                    <a:pt x="8135" y="12130"/>
+                  </a:lnTo>
+                  <a:lnTo>
+                    <a:pt x="8233" y="12130"/>
+                  </a:lnTo>
+                  <a:lnTo>
+                    <a:pt x="8233" y="12130"/>
+                  </a:lnTo>
+                  <a:lnTo>
+                    <a:pt x="8355" y="12130"/>
+                  </a:lnTo>
+                  <a:lnTo>
+                    <a:pt x="8452" y="12105"/>
+                  </a:lnTo>
+                  <a:lnTo>
+                    <a:pt x="8549" y="12057"/>
+                  </a:lnTo>
+                  <a:lnTo>
+                    <a:pt x="8622" y="11984"/>
+                  </a:lnTo>
+                  <a:lnTo>
+                    <a:pt x="8622" y="11984"/>
+                  </a:lnTo>
+                  <a:lnTo>
+                    <a:pt x="8842" y="11716"/>
+                  </a:lnTo>
+                  <a:lnTo>
+                    <a:pt x="9036" y="11423"/>
+                  </a:lnTo>
+                  <a:lnTo>
+                    <a:pt x="9158" y="11131"/>
+                  </a:lnTo>
+                  <a:lnTo>
+                    <a:pt x="9280" y="10814"/>
+                  </a:lnTo>
+                  <a:lnTo>
+                    <a:pt x="9353" y="10498"/>
+                  </a:lnTo>
+                  <a:lnTo>
+                    <a:pt x="9402" y="10181"/>
+                  </a:lnTo>
+                  <a:lnTo>
+                    <a:pt x="9426" y="9889"/>
+                  </a:lnTo>
+                  <a:lnTo>
+                    <a:pt x="9426" y="9597"/>
+                  </a:lnTo>
+                  <a:lnTo>
+                    <a:pt x="9426" y="9597"/>
+                  </a:lnTo>
+                  <a:lnTo>
+                    <a:pt x="9426" y="9280"/>
+                  </a:lnTo>
+                  <a:lnTo>
+                    <a:pt x="9402" y="8964"/>
+                  </a:lnTo>
+                  <a:lnTo>
+                    <a:pt x="9353" y="8647"/>
+                  </a:lnTo>
+                  <a:lnTo>
+                    <a:pt x="9280" y="8330"/>
+                  </a:lnTo>
+                  <a:lnTo>
+                    <a:pt x="9231" y="8038"/>
+                  </a:lnTo>
+                  <a:lnTo>
+                    <a:pt x="9134" y="7746"/>
+                  </a:lnTo>
+                  <a:lnTo>
+                    <a:pt x="9036" y="7502"/>
+                  </a:lnTo>
+                  <a:lnTo>
+                    <a:pt x="8939" y="7259"/>
+                  </a:lnTo>
+                  <a:lnTo>
+                    <a:pt x="12130" y="4093"/>
+                  </a:lnTo>
+                </a:path>
+              </a:pathLst>
+            </a:custGeom>
+            <a:noFill/>
+            <a:ln w="9525" cap="rnd" cmpd="sng">
+              <a:solidFill>
+                <a:srgbClr val="000000"/>
+              </a:solidFill>
+              <a:prstDash val="solid"/>
+              <a:round/>
+              <a:headEnd type="none" w="sm" len="sm"/>
+              <a:tailEnd type="none" w="sm" len="sm"/>
+            </a:ln>
+          </p:spPr>
+          <p:txBody>
+            <a:bodyPr spcFirstLastPara="1" wrap="square" lIns="91425" tIns="91425" rIns="91425" bIns="91425" anchor="ctr" anchorCtr="0">
+              <a:noAutofit/>
+            </a:bodyPr>
+            <a:lstStyle/>
+            <a:p>
+              <a:pPr marL="0" lvl="0" indent="0" algn="l" rtl="0">
+                <a:spcBef>
+                  <a:spcPts val="0"/>
+                </a:spcBef>
+                <a:spcAft>
+                  <a:spcPts val="0"/>
+                </a:spcAft>
+                <a:buNone/>
+              </a:pPr>
+              <a:endParaRPr/>
+            </a:p>
+          </p:txBody>
+        </p:sp>
+        <p:sp>
+          <p:nvSpPr>
+            <p:cNvPr id="130" name="Google Shape;130;p17"/>
+            <p:cNvSpPr/>
+            <p:nvPr/>
+          </p:nvSpPr>
+          <p:spPr>
+            <a:xfrm>
+              <a:off x="2814912" y="1754062"/>
+              <a:ext cx="49950" cy="49950"/>
+            </a:xfrm>
+            <a:custGeom>
+              <a:avLst/>
+              <a:gdLst/>
+              <a:ahLst/>
+              <a:cxnLst/>
+              <a:rect l="l" t="t" r="r" b="b"/>
+              <a:pathLst>
+                <a:path w="1998" h="1998" fill="none" extrusionOk="0">
+                  <a:moveTo>
+                    <a:pt x="1" y="1997"/>
+                  </a:moveTo>
+                  <a:lnTo>
+                    <a:pt x="1998" y="0"/>
+                  </a:lnTo>
+                </a:path>
+              </a:pathLst>
+            </a:custGeom>
+            <a:noFill/>
+            <a:ln w="9525" cap="rnd" cmpd="sng">
+              <a:solidFill>
+                <a:srgbClr val="000000"/>
+              </a:solidFill>
+              <a:prstDash val="solid"/>
+              <a:round/>
+              <a:headEnd type="none" w="sm" len="sm"/>
+              <a:tailEnd type="none" w="sm" len="sm"/>
+            </a:ln>
+          </p:spPr>
+          <p:txBody>
+            <a:bodyPr spcFirstLastPara="1" wrap="square" lIns="91425" tIns="91425" rIns="91425" bIns="91425" anchor="ctr" anchorCtr="0">
+              <a:noAutofit/>
+            </a:bodyPr>
+            <a:lstStyle/>
+            <a:p>
+              <a:pPr marL="0" lvl="0" indent="0" algn="l" rtl="0">
+                <a:spcBef>
+                  <a:spcPts val="0"/>
+                </a:spcBef>
+                <a:spcAft>
+                  <a:spcPts val="0"/>
+                </a:spcAft>
+                <a:buNone/>
+              </a:pPr>
+              <a:endParaRPr/>
+            </a:p>
+          </p:txBody>
+        </p:sp>
+      </p:grpSp>
+      <p:sp>
+        <p:nvSpPr>
+          <p:cNvPr id="131" name="Google Shape;131;p17"/>
+          <p:cNvSpPr txBox="1">
+            <a:spLocks noGrp="1"/>
+          </p:cNvSpPr>
+          <p:nvPr>
+            <p:ph type="sldNum" idx="12"/>
+          </p:nvPr>
+        </p:nvSpPr>
+        <p:spPr>
+          <a:xfrm>
+            <a:off x="8543227" y="4749851"/>
+            <a:ext cx="548700" cy="393600"/>
+          </a:xfrm>
+          <a:prstGeom prst="rect">
+            <a:avLst/>
+          </a:prstGeom>
+        </p:spPr>
+        <p:txBody>
+          <a:bodyPr spcFirstLastPara="1" wrap="square" lIns="91425" tIns="91425" rIns="91425" bIns="91425" anchor="t" anchorCtr="0">
+            <a:noAutofit/>
+          </a:bodyPr>
+          <a:lstStyle/>
+          <a:p>
+            <a:pPr marL="0" lvl="0" indent="0" algn="r" rtl="0">
+              <a:spcBef>
+                <a:spcPts val="0"/>
+              </a:spcBef>
+              <a:spcAft>
+                <a:spcPts val="0"/>
+              </a:spcAft>
+              <a:buNone/>
+            </a:pPr>
+            <a:fld id="{00000000-1234-1234-1234-123412341234}" type="slidenum">
+              <a:rPr lang="en"/>
+              <a:t>26</a:t>
+            </a:fld>
+            <a:endParaRPr/>
+          </a:p>
+        </p:txBody>
+      </p:sp>
+    </p:spTree>
+    <p:extLst>
+      <p:ext uri="{BB962C8B-B14F-4D97-AF65-F5344CB8AC3E}">
+        <p14:creationId xmlns:p14="http://schemas.microsoft.com/office/powerpoint/2010/main" val="556033673"/>
+      </p:ext>
+    </p:extLst>
+  </p:cSld>
+  <p:clrMapOvr>
+    <a:masterClrMapping/>
+  </p:clrMapOvr>
+</p:sld>
+</file>
+
+<file path=ppt/slides/slide27.xml><?xml version="1.0" encoding="utf-8"?>
+<p:sld xmlns:a="http://schemas.openxmlformats.org/drawingml/2006/main" xmlns:r="http://schemas.openxmlformats.org/officeDocument/2006/relationships" xmlns:p="http://schemas.openxmlformats.org/presentationml/2006/main">
+  <p:cSld>
+    <p:spTree>
+      <p:nvGrpSpPr>
+        <p:cNvPr id="1" name="Shape 123"/>
+        <p:cNvGrpSpPr/>
+        <p:nvPr/>
+      </p:nvGrpSpPr>
+      <p:grpSpPr>
+        <a:xfrm>
+          <a:off x="0" y="0"/>
+          <a:ext cx="0" cy="0"/>
+          <a:chOff x="0" y="0"/>
+          <a:chExt cx="0" cy="0"/>
+        </a:xfrm>
+      </p:grpSpPr>
+      <p:sp>
+        <p:nvSpPr>
+          <p:cNvPr id="124" name="Google Shape;124;p17"/>
+          <p:cNvSpPr txBox="1">
+            <a:spLocks noGrp="1"/>
+          </p:cNvSpPr>
+          <p:nvPr>
+            <p:ph type="title"/>
+          </p:nvPr>
+        </p:nvSpPr>
+        <p:spPr>
+          <a:xfrm>
             <a:off x="1381250" y="896112"/>
             <a:ext cx="3878400" cy="435600"/>
           </a:xfrm>
@@ -21078,7 +21919,7 @@
             </a:pPr>
             <a:fld id="{00000000-1234-1234-1234-123412341234}" type="slidenum">
               <a:rPr lang="en"/>
-              <a:t>26</a:t>
+              <a:t>27</a:t>
             </a:fld>
             <a:endParaRPr/>
           </a:p>
@@ -21087,7 +21928,7 @@
     </p:spTree>
     <p:extLst>
       <p:ext uri="{BB962C8B-B14F-4D97-AF65-F5344CB8AC3E}">
-        <p14:creationId xmlns:p14="http://schemas.microsoft.com/office/powerpoint/2010/main" val="556033673"/>
+        <p14:creationId xmlns:p14="http://schemas.microsoft.com/office/powerpoint/2010/main" val="4113462861"/>
       </p:ext>
     </p:extLst>
   </p:cSld>
@@ -21097,7 +21938,7 @@
 </p:sld>
 </file>
 
-<file path=ppt/slides/slide27.xml><?xml version="1.0" encoding="utf-8"?>
+<file path=ppt/slides/slide28.xml><?xml version="1.0" encoding="utf-8"?>
 <p:sld xmlns:a="http://schemas.openxmlformats.org/drawingml/2006/main" xmlns:r="http://schemas.openxmlformats.org/officeDocument/2006/relationships" xmlns:p="http://schemas.openxmlformats.org/presentationml/2006/main">
   <p:cSld>
     <p:spTree>
@@ -21874,7 +22715,7 @@
             </a:pPr>
             <a:fld id="{00000000-1234-1234-1234-123412341234}" type="slidenum">
               <a:rPr lang="en"/>
-              <a:t>27</a:t>
+              <a:t>28</a:t>
             </a:fld>
             <a:endParaRPr/>
           </a:p>
@@ -21893,7 +22734,7 @@
 </p:sld>
 </file>
 
-<file path=ppt/slides/slide28.xml><?xml version="1.0" encoding="utf-8"?>
+<file path=ppt/slides/slide29.xml><?xml version="1.0" encoding="utf-8"?>
 <p:sld xmlns:a="http://schemas.openxmlformats.org/drawingml/2006/main" xmlns:r="http://schemas.openxmlformats.org/officeDocument/2006/relationships" xmlns:p="http://schemas.openxmlformats.org/presentationml/2006/main">
   <p:cSld>
     <p:spTree>
@@ -22662,7 +23503,7 @@
             </a:pPr>
             <a:fld id="{00000000-1234-1234-1234-123412341234}" type="slidenum">
               <a:rPr lang="en"/>
-              <a:t>28</a:t>
+              <a:t>29</a:t>
             </a:fld>
             <a:endParaRPr/>
           </a:p>
@@ -22681,7 +23522,723 @@
 </p:sld>
 </file>
 
-<file path=ppt/slides/slide29.xml><?xml version="1.0" encoding="utf-8"?>
+<file path=ppt/slides/slide3.xml><?xml version="1.0" encoding="utf-8"?>
+<p:sld xmlns:a="http://schemas.openxmlformats.org/drawingml/2006/main" xmlns:r="http://schemas.openxmlformats.org/officeDocument/2006/relationships" xmlns:p="http://schemas.openxmlformats.org/presentationml/2006/main">
+  <p:cSld>
+    <p:spTree>
+      <p:nvGrpSpPr>
+        <p:cNvPr id="1" name="Shape 123"/>
+        <p:cNvGrpSpPr/>
+        <p:nvPr/>
+      </p:nvGrpSpPr>
+      <p:grpSpPr>
+        <a:xfrm>
+          <a:off x="0" y="0"/>
+          <a:ext cx="0" cy="0"/>
+          <a:chOff x="0" y="0"/>
+          <a:chExt cx="0" cy="0"/>
+        </a:xfrm>
+      </p:grpSpPr>
+      <p:sp>
+        <p:nvSpPr>
+          <p:cNvPr id="124" name="Google Shape;124;p17"/>
+          <p:cNvSpPr txBox="1">
+            <a:spLocks noGrp="1"/>
+          </p:cNvSpPr>
+          <p:nvPr>
+            <p:ph type="title"/>
+          </p:nvPr>
+        </p:nvSpPr>
+        <p:spPr>
+          <a:xfrm>
+            <a:off x="1381250" y="896112"/>
+            <a:ext cx="3878400" cy="435600"/>
+          </a:xfrm>
+          <a:prstGeom prst="rect">
+            <a:avLst/>
+          </a:prstGeom>
+        </p:spPr>
+        <p:txBody>
+          <a:bodyPr spcFirstLastPara="1" wrap="square" lIns="91425" tIns="91425" rIns="91425" bIns="91425" anchor="ctr" anchorCtr="0">
+            <a:noAutofit/>
+          </a:bodyPr>
+          <a:lstStyle/>
+          <a:p>
+            <a:pPr lvl="0"/>
+            <a:r>
+              <a:rPr lang="en-PH" dirty="0"/>
+              <a:t>Introduction</a:t>
+            </a:r>
+            <a:endParaRPr dirty="0">
+              <a:highlight>
+                <a:schemeClr val="accent1"/>
+              </a:highlight>
+            </a:endParaRPr>
+          </a:p>
+        </p:txBody>
+      </p:sp>
+      <p:sp>
+        <p:nvSpPr>
+          <p:cNvPr id="125" name="Google Shape;125;p17"/>
+          <p:cNvSpPr txBox="1">
+            <a:spLocks noGrp="1"/>
+          </p:cNvSpPr>
+          <p:nvPr>
+            <p:ph type="body" idx="1"/>
+          </p:nvPr>
+        </p:nvSpPr>
+        <p:spPr>
+          <a:xfrm>
+            <a:off x="1381250" y="1616470"/>
+            <a:ext cx="6809700" cy="3112200"/>
+          </a:xfrm>
+          <a:prstGeom prst="rect">
+            <a:avLst/>
+          </a:prstGeom>
+        </p:spPr>
+        <p:txBody>
+          <a:bodyPr spcFirstLastPara="1" wrap="square" lIns="91425" tIns="91425" rIns="91425" bIns="91425" anchor="t" anchorCtr="0">
+            <a:noAutofit/>
+          </a:bodyPr>
+          <a:lstStyle/>
+          <a:p>
+            <a:pPr marL="76200" indent="0">
+              <a:buNone/>
+            </a:pPr>
+            <a:r>
+              <a:rPr lang="en-US" sz="2000" dirty="0"/>
+              <a:t>Thus, in an effort to improve our understanding of traffic interactions in Philippine roads, the researchers have proposed a vehicle detection and counting system. The proposed project uses a deep-learning based system to detect, classify and count vehicles in real-time. The project aims to provide a systematic solution to counting vehicles and monitoring congestion using computer vision-based techniques. </a:t>
+            </a:r>
+            <a:endParaRPr sz="2000" dirty="0"/>
+          </a:p>
+        </p:txBody>
+      </p:sp>
+      <p:grpSp>
+        <p:nvGrpSpPr>
+          <p:cNvPr id="126" name="Google Shape;126;p17"/>
+          <p:cNvGrpSpPr/>
+          <p:nvPr/>
+        </p:nvGrpSpPr>
+        <p:grpSpPr>
+          <a:xfrm>
+            <a:off x="916458" y="1019750"/>
+            <a:ext cx="214625" cy="214625"/>
+            <a:chOff x="2594050" y="1631825"/>
+            <a:chExt cx="439625" cy="439625"/>
+          </a:xfrm>
+        </p:grpSpPr>
+        <p:sp>
+          <p:nvSpPr>
+            <p:cNvPr id="127" name="Google Shape;127;p17"/>
+            <p:cNvSpPr/>
+            <p:nvPr/>
+          </p:nvSpPr>
+          <p:spPr>
+            <a:xfrm>
+              <a:off x="2594050" y="1883300"/>
+              <a:ext cx="188175" cy="188150"/>
+            </a:xfrm>
+            <a:custGeom>
+              <a:avLst/>
+              <a:gdLst/>
+              <a:ahLst/>
+              <a:cxnLst/>
+              <a:rect l="l" t="t" r="r" b="b"/>
+              <a:pathLst>
+                <a:path w="7527" h="7526" fill="none" extrusionOk="0">
+                  <a:moveTo>
+                    <a:pt x="5992" y="0"/>
+                  </a:moveTo>
+                  <a:lnTo>
+                    <a:pt x="537" y="6430"/>
+                  </a:lnTo>
+                  <a:lnTo>
+                    <a:pt x="1" y="7526"/>
+                  </a:lnTo>
+                  <a:lnTo>
+                    <a:pt x="1097" y="6990"/>
+                  </a:lnTo>
+                  <a:lnTo>
+                    <a:pt x="7526" y="1534"/>
+                  </a:lnTo>
+                  <a:lnTo>
+                    <a:pt x="5992" y="0"/>
+                  </a:lnTo>
+                  <a:close/>
+                </a:path>
+              </a:pathLst>
+            </a:custGeom>
+            <a:noFill/>
+            <a:ln w="9525" cap="rnd" cmpd="sng">
+              <a:solidFill>
+                <a:srgbClr val="000000"/>
+              </a:solidFill>
+              <a:prstDash val="solid"/>
+              <a:round/>
+              <a:headEnd type="none" w="sm" len="sm"/>
+              <a:tailEnd type="none" w="sm" len="sm"/>
+            </a:ln>
+          </p:spPr>
+          <p:txBody>
+            <a:bodyPr spcFirstLastPara="1" wrap="square" lIns="91425" tIns="91425" rIns="91425" bIns="91425" anchor="ctr" anchorCtr="0">
+              <a:noAutofit/>
+            </a:bodyPr>
+            <a:lstStyle/>
+            <a:p>
+              <a:pPr marL="0" lvl="0" indent="0" algn="l" rtl="0">
+                <a:spcBef>
+                  <a:spcPts val="0"/>
+                </a:spcBef>
+                <a:spcAft>
+                  <a:spcPts val="0"/>
+                </a:spcAft>
+                <a:buNone/>
+              </a:pPr>
+              <a:endParaRPr/>
+            </a:p>
+          </p:txBody>
+        </p:sp>
+        <p:sp>
+          <p:nvSpPr>
+            <p:cNvPr id="128" name="Google Shape;128;p17"/>
+            <p:cNvSpPr/>
+            <p:nvPr/>
+          </p:nvSpPr>
+          <p:spPr>
+            <a:xfrm>
+              <a:off x="2857700" y="1631825"/>
+              <a:ext cx="175975" cy="176000"/>
+            </a:xfrm>
+            <a:custGeom>
+              <a:avLst/>
+              <a:gdLst/>
+              <a:ahLst/>
+              <a:cxnLst/>
+              <a:rect l="l" t="t" r="r" b="b"/>
+              <a:pathLst>
+                <a:path w="7039" h="7040" fill="none" extrusionOk="0">
+                  <a:moveTo>
+                    <a:pt x="268" y="2704"/>
+                  </a:moveTo>
+                  <a:lnTo>
+                    <a:pt x="4336" y="6771"/>
+                  </a:lnTo>
+                  <a:lnTo>
+                    <a:pt x="4336" y="6771"/>
+                  </a:lnTo>
+                  <a:lnTo>
+                    <a:pt x="4336" y="6771"/>
+                  </a:lnTo>
+                  <a:lnTo>
+                    <a:pt x="4652" y="6917"/>
+                  </a:lnTo>
+                  <a:lnTo>
+                    <a:pt x="4993" y="7015"/>
+                  </a:lnTo>
+                  <a:lnTo>
+                    <a:pt x="5310" y="7039"/>
+                  </a:lnTo>
+                  <a:lnTo>
+                    <a:pt x="5651" y="7039"/>
+                  </a:lnTo>
+                  <a:lnTo>
+                    <a:pt x="5992" y="6966"/>
+                  </a:lnTo>
+                  <a:lnTo>
+                    <a:pt x="6308" y="6844"/>
+                  </a:lnTo>
+                  <a:lnTo>
+                    <a:pt x="6454" y="6747"/>
+                  </a:lnTo>
+                  <a:lnTo>
+                    <a:pt x="6601" y="6674"/>
+                  </a:lnTo>
+                  <a:lnTo>
+                    <a:pt x="6747" y="6552"/>
+                  </a:lnTo>
+                  <a:lnTo>
+                    <a:pt x="6893" y="6430"/>
+                  </a:lnTo>
+                  <a:lnTo>
+                    <a:pt x="6893" y="6430"/>
+                  </a:lnTo>
+                  <a:lnTo>
+                    <a:pt x="6942" y="6357"/>
+                  </a:lnTo>
+                  <a:lnTo>
+                    <a:pt x="7015" y="6260"/>
+                  </a:lnTo>
+                  <a:lnTo>
+                    <a:pt x="7039" y="6138"/>
+                  </a:lnTo>
+                  <a:lnTo>
+                    <a:pt x="7039" y="6041"/>
+                  </a:lnTo>
+                  <a:lnTo>
+                    <a:pt x="7039" y="6041"/>
+                  </a:lnTo>
+                  <a:lnTo>
+                    <a:pt x="7039" y="5943"/>
+                  </a:lnTo>
+                  <a:lnTo>
+                    <a:pt x="7015" y="5846"/>
+                  </a:lnTo>
+                  <a:lnTo>
+                    <a:pt x="6942" y="5748"/>
+                  </a:lnTo>
+                  <a:lnTo>
+                    <a:pt x="6893" y="5651"/>
+                  </a:lnTo>
+                  <a:lnTo>
+                    <a:pt x="1389" y="147"/>
+                  </a:lnTo>
+                  <a:lnTo>
+                    <a:pt x="1389" y="147"/>
+                  </a:lnTo>
+                  <a:lnTo>
+                    <a:pt x="1291" y="98"/>
+                  </a:lnTo>
+                  <a:lnTo>
+                    <a:pt x="1194" y="25"/>
+                  </a:lnTo>
+                  <a:lnTo>
+                    <a:pt x="1096" y="0"/>
+                  </a:lnTo>
+                  <a:lnTo>
+                    <a:pt x="999" y="0"/>
+                  </a:lnTo>
+                  <a:lnTo>
+                    <a:pt x="999" y="0"/>
+                  </a:lnTo>
+                  <a:lnTo>
+                    <a:pt x="902" y="0"/>
+                  </a:lnTo>
+                  <a:lnTo>
+                    <a:pt x="780" y="25"/>
+                  </a:lnTo>
+                  <a:lnTo>
+                    <a:pt x="682" y="98"/>
+                  </a:lnTo>
+                  <a:lnTo>
+                    <a:pt x="609" y="147"/>
+                  </a:lnTo>
+                  <a:lnTo>
+                    <a:pt x="609" y="147"/>
+                  </a:lnTo>
+                  <a:lnTo>
+                    <a:pt x="487" y="293"/>
+                  </a:lnTo>
+                  <a:lnTo>
+                    <a:pt x="366" y="439"/>
+                  </a:lnTo>
+                  <a:lnTo>
+                    <a:pt x="293" y="585"/>
+                  </a:lnTo>
+                  <a:lnTo>
+                    <a:pt x="195" y="731"/>
+                  </a:lnTo>
+                  <a:lnTo>
+                    <a:pt x="73" y="1048"/>
+                  </a:lnTo>
+                  <a:lnTo>
+                    <a:pt x="0" y="1389"/>
+                  </a:lnTo>
+                  <a:lnTo>
+                    <a:pt x="0" y="1730"/>
+                  </a:lnTo>
+                  <a:lnTo>
+                    <a:pt x="25" y="2046"/>
+                  </a:lnTo>
+                  <a:lnTo>
+                    <a:pt x="122" y="2387"/>
+                  </a:lnTo>
+                  <a:lnTo>
+                    <a:pt x="268" y="2704"/>
+                  </a:lnTo>
+                  <a:lnTo>
+                    <a:pt x="268" y="2704"/>
+                  </a:lnTo>
+                  <a:close/>
+                </a:path>
+              </a:pathLst>
+            </a:custGeom>
+            <a:noFill/>
+            <a:ln w="9525" cap="rnd" cmpd="sng">
+              <a:solidFill>
+                <a:srgbClr val="000000"/>
+              </a:solidFill>
+              <a:prstDash val="solid"/>
+              <a:round/>
+              <a:headEnd type="none" w="sm" len="sm"/>
+              <a:tailEnd type="none" w="sm" len="sm"/>
+            </a:ln>
+          </p:spPr>
+          <p:txBody>
+            <a:bodyPr spcFirstLastPara="1" wrap="square" lIns="91425" tIns="91425" rIns="91425" bIns="91425" anchor="ctr" anchorCtr="0">
+              <a:noAutofit/>
+            </a:bodyPr>
+            <a:lstStyle/>
+            <a:p>
+              <a:pPr marL="0" lvl="0" indent="0" algn="l" rtl="0">
+                <a:spcBef>
+                  <a:spcPts val="0"/>
+                </a:spcBef>
+                <a:spcAft>
+                  <a:spcPts val="0"/>
+                </a:spcAft>
+                <a:buNone/>
+              </a:pPr>
+              <a:endParaRPr/>
+            </a:p>
+          </p:txBody>
+        </p:sp>
+        <p:sp>
+          <p:nvSpPr>
+            <p:cNvPr id="129" name="Google Shape;129;p17"/>
+            <p:cNvSpPr/>
+            <p:nvPr/>
+          </p:nvSpPr>
+          <p:spPr>
+            <a:xfrm>
+              <a:off x="2662850" y="1699400"/>
+              <a:ext cx="303250" cy="303250"/>
+            </a:xfrm>
+            <a:custGeom>
+              <a:avLst/>
+              <a:gdLst/>
+              <a:ahLst/>
+              <a:cxnLst/>
+              <a:rect l="l" t="t" r="r" b="b"/>
+              <a:pathLst>
+                <a:path w="12130" h="12130" fill="none" extrusionOk="0">
+                  <a:moveTo>
+                    <a:pt x="8038" y="1"/>
+                  </a:moveTo>
+                  <a:lnTo>
+                    <a:pt x="4872" y="3191"/>
+                  </a:lnTo>
+                  <a:lnTo>
+                    <a:pt x="4872" y="3191"/>
+                  </a:lnTo>
+                  <a:lnTo>
+                    <a:pt x="4628" y="3094"/>
+                  </a:lnTo>
+                  <a:lnTo>
+                    <a:pt x="4385" y="2997"/>
+                  </a:lnTo>
+                  <a:lnTo>
+                    <a:pt x="4092" y="2899"/>
+                  </a:lnTo>
+                  <a:lnTo>
+                    <a:pt x="3800" y="2850"/>
+                  </a:lnTo>
+                  <a:lnTo>
+                    <a:pt x="3484" y="2777"/>
+                  </a:lnTo>
+                  <a:lnTo>
+                    <a:pt x="3167" y="2729"/>
+                  </a:lnTo>
+                  <a:lnTo>
+                    <a:pt x="2850" y="2704"/>
+                  </a:lnTo>
+                  <a:lnTo>
+                    <a:pt x="2534" y="2704"/>
+                  </a:lnTo>
+                  <a:lnTo>
+                    <a:pt x="2534" y="2704"/>
+                  </a:lnTo>
+                  <a:lnTo>
+                    <a:pt x="2241" y="2704"/>
+                  </a:lnTo>
+                  <a:lnTo>
+                    <a:pt x="1949" y="2729"/>
+                  </a:lnTo>
+                  <a:lnTo>
+                    <a:pt x="1633" y="2777"/>
+                  </a:lnTo>
+                  <a:lnTo>
+                    <a:pt x="1316" y="2850"/>
+                  </a:lnTo>
+                  <a:lnTo>
+                    <a:pt x="999" y="2972"/>
+                  </a:lnTo>
+                  <a:lnTo>
+                    <a:pt x="707" y="3094"/>
+                  </a:lnTo>
+                  <a:lnTo>
+                    <a:pt x="415" y="3289"/>
+                  </a:lnTo>
+                  <a:lnTo>
+                    <a:pt x="147" y="3508"/>
+                  </a:lnTo>
+                  <a:lnTo>
+                    <a:pt x="147" y="3508"/>
+                  </a:lnTo>
+                  <a:lnTo>
+                    <a:pt x="74" y="3581"/>
+                  </a:lnTo>
+                  <a:lnTo>
+                    <a:pt x="25" y="3678"/>
+                  </a:lnTo>
+                  <a:lnTo>
+                    <a:pt x="1" y="3776"/>
+                  </a:lnTo>
+                  <a:lnTo>
+                    <a:pt x="1" y="3898"/>
+                  </a:lnTo>
+                  <a:lnTo>
+                    <a:pt x="1" y="3898"/>
+                  </a:lnTo>
+                  <a:lnTo>
+                    <a:pt x="1" y="3995"/>
+                  </a:lnTo>
+                  <a:lnTo>
+                    <a:pt x="25" y="4093"/>
+                  </a:lnTo>
+                  <a:lnTo>
+                    <a:pt x="74" y="4190"/>
+                  </a:lnTo>
+                  <a:lnTo>
+                    <a:pt x="147" y="4287"/>
+                  </a:lnTo>
+                  <a:lnTo>
+                    <a:pt x="7843" y="11984"/>
+                  </a:lnTo>
+                  <a:lnTo>
+                    <a:pt x="7843" y="11984"/>
+                  </a:lnTo>
+                  <a:lnTo>
+                    <a:pt x="7941" y="12057"/>
+                  </a:lnTo>
+                  <a:lnTo>
+                    <a:pt x="8038" y="12105"/>
+                  </a:lnTo>
+                  <a:lnTo>
+                    <a:pt x="8135" y="12130"/>
+                  </a:lnTo>
+                  <a:lnTo>
+                    <a:pt x="8233" y="12130"/>
+                  </a:lnTo>
+                  <a:lnTo>
+                    <a:pt x="8233" y="12130"/>
+                  </a:lnTo>
+                  <a:lnTo>
+                    <a:pt x="8355" y="12130"/>
+                  </a:lnTo>
+                  <a:lnTo>
+                    <a:pt x="8452" y="12105"/>
+                  </a:lnTo>
+                  <a:lnTo>
+                    <a:pt x="8549" y="12057"/>
+                  </a:lnTo>
+                  <a:lnTo>
+                    <a:pt x="8622" y="11984"/>
+                  </a:lnTo>
+                  <a:lnTo>
+                    <a:pt x="8622" y="11984"/>
+                  </a:lnTo>
+                  <a:lnTo>
+                    <a:pt x="8842" y="11716"/>
+                  </a:lnTo>
+                  <a:lnTo>
+                    <a:pt x="9036" y="11423"/>
+                  </a:lnTo>
+                  <a:lnTo>
+                    <a:pt x="9158" y="11131"/>
+                  </a:lnTo>
+                  <a:lnTo>
+                    <a:pt x="9280" y="10814"/>
+                  </a:lnTo>
+                  <a:lnTo>
+                    <a:pt x="9353" y="10498"/>
+                  </a:lnTo>
+                  <a:lnTo>
+                    <a:pt x="9402" y="10181"/>
+                  </a:lnTo>
+                  <a:lnTo>
+                    <a:pt x="9426" y="9889"/>
+                  </a:lnTo>
+                  <a:lnTo>
+                    <a:pt x="9426" y="9597"/>
+                  </a:lnTo>
+                  <a:lnTo>
+                    <a:pt x="9426" y="9597"/>
+                  </a:lnTo>
+                  <a:lnTo>
+                    <a:pt x="9426" y="9280"/>
+                  </a:lnTo>
+                  <a:lnTo>
+                    <a:pt x="9402" y="8964"/>
+                  </a:lnTo>
+                  <a:lnTo>
+                    <a:pt x="9353" y="8647"/>
+                  </a:lnTo>
+                  <a:lnTo>
+                    <a:pt x="9280" y="8330"/>
+                  </a:lnTo>
+                  <a:lnTo>
+                    <a:pt x="9231" y="8038"/>
+                  </a:lnTo>
+                  <a:lnTo>
+                    <a:pt x="9134" y="7746"/>
+                  </a:lnTo>
+                  <a:lnTo>
+                    <a:pt x="9036" y="7502"/>
+                  </a:lnTo>
+                  <a:lnTo>
+                    <a:pt x="8939" y="7259"/>
+                  </a:lnTo>
+                  <a:lnTo>
+                    <a:pt x="12130" y="4093"/>
+                  </a:lnTo>
+                </a:path>
+              </a:pathLst>
+            </a:custGeom>
+            <a:noFill/>
+            <a:ln w="9525" cap="rnd" cmpd="sng">
+              <a:solidFill>
+                <a:srgbClr val="000000"/>
+              </a:solidFill>
+              <a:prstDash val="solid"/>
+              <a:round/>
+              <a:headEnd type="none" w="sm" len="sm"/>
+              <a:tailEnd type="none" w="sm" len="sm"/>
+            </a:ln>
+          </p:spPr>
+          <p:txBody>
+            <a:bodyPr spcFirstLastPara="1" wrap="square" lIns="91425" tIns="91425" rIns="91425" bIns="91425" anchor="ctr" anchorCtr="0">
+              <a:noAutofit/>
+            </a:bodyPr>
+            <a:lstStyle/>
+            <a:p>
+              <a:pPr marL="0" lvl="0" indent="0" algn="l" rtl="0">
+                <a:spcBef>
+                  <a:spcPts val="0"/>
+                </a:spcBef>
+                <a:spcAft>
+                  <a:spcPts val="0"/>
+                </a:spcAft>
+                <a:buNone/>
+              </a:pPr>
+              <a:endParaRPr/>
+            </a:p>
+          </p:txBody>
+        </p:sp>
+        <p:sp>
+          <p:nvSpPr>
+            <p:cNvPr id="130" name="Google Shape;130;p17"/>
+            <p:cNvSpPr/>
+            <p:nvPr/>
+          </p:nvSpPr>
+          <p:spPr>
+            <a:xfrm>
+              <a:off x="2814912" y="1754062"/>
+              <a:ext cx="49950" cy="49950"/>
+            </a:xfrm>
+            <a:custGeom>
+              <a:avLst/>
+              <a:gdLst/>
+              <a:ahLst/>
+              <a:cxnLst/>
+              <a:rect l="l" t="t" r="r" b="b"/>
+              <a:pathLst>
+                <a:path w="1998" h="1998" fill="none" extrusionOk="0">
+                  <a:moveTo>
+                    <a:pt x="1" y="1997"/>
+                  </a:moveTo>
+                  <a:lnTo>
+                    <a:pt x="1998" y="0"/>
+                  </a:lnTo>
+                </a:path>
+              </a:pathLst>
+            </a:custGeom>
+            <a:noFill/>
+            <a:ln w="9525" cap="rnd" cmpd="sng">
+              <a:solidFill>
+                <a:srgbClr val="000000"/>
+              </a:solidFill>
+              <a:prstDash val="solid"/>
+              <a:round/>
+              <a:headEnd type="none" w="sm" len="sm"/>
+              <a:tailEnd type="none" w="sm" len="sm"/>
+            </a:ln>
+          </p:spPr>
+          <p:txBody>
+            <a:bodyPr spcFirstLastPara="1" wrap="square" lIns="91425" tIns="91425" rIns="91425" bIns="91425" anchor="ctr" anchorCtr="0">
+              <a:noAutofit/>
+            </a:bodyPr>
+            <a:lstStyle/>
+            <a:p>
+              <a:pPr marL="0" lvl="0" indent="0" algn="l" rtl="0">
+                <a:spcBef>
+                  <a:spcPts val="0"/>
+                </a:spcBef>
+                <a:spcAft>
+                  <a:spcPts val="0"/>
+                </a:spcAft>
+                <a:buNone/>
+              </a:pPr>
+              <a:endParaRPr/>
+            </a:p>
+          </p:txBody>
+        </p:sp>
+      </p:grpSp>
+      <p:sp>
+        <p:nvSpPr>
+          <p:cNvPr id="131" name="Google Shape;131;p17"/>
+          <p:cNvSpPr txBox="1">
+            <a:spLocks noGrp="1"/>
+          </p:cNvSpPr>
+          <p:nvPr>
+            <p:ph type="sldNum" idx="12"/>
+          </p:nvPr>
+        </p:nvSpPr>
+        <p:spPr>
+          <a:xfrm>
+            <a:off x="8543227" y="4749851"/>
+            <a:ext cx="548700" cy="393600"/>
+          </a:xfrm>
+          <a:prstGeom prst="rect">
+            <a:avLst/>
+          </a:prstGeom>
+        </p:spPr>
+        <p:txBody>
+          <a:bodyPr spcFirstLastPara="1" wrap="square" lIns="91425" tIns="91425" rIns="91425" bIns="91425" anchor="t" anchorCtr="0">
+            <a:noAutofit/>
+          </a:bodyPr>
+          <a:lstStyle/>
+          <a:p>
+            <a:pPr marL="0" lvl="0" indent="0" algn="r" rtl="0">
+              <a:spcBef>
+                <a:spcPts val="0"/>
+              </a:spcBef>
+              <a:spcAft>
+                <a:spcPts val="0"/>
+              </a:spcAft>
+              <a:buNone/>
+            </a:pPr>
+            <a:fld id="{00000000-1234-1234-1234-123412341234}" type="slidenum">
+              <a:rPr lang="en"/>
+              <a:t>3</a:t>
+            </a:fld>
+            <a:endParaRPr/>
+          </a:p>
+        </p:txBody>
+      </p:sp>
+    </p:spTree>
+    <p:extLst>
+      <p:ext uri="{BB962C8B-B14F-4D97-AF65-F5344CB8AC3E}">
+        <p14:creationId xmlns:p14="http://schemas.microsoft.com/office/powerpoint/2010/main" val="2091699816"/>
+      </p:ext>
+    </p:extLst>
+  </p:cSld>
+  <p:clrMapOvr>
+    <a:masterClrMapping/>
+  </p:clrMapOvr>
+</p:sld>
+</file>
+
+<file path=ppt/slides/slide30.xml><?xml version="1.0" encoding="utf-8"?>
 <p:sld xmlns:a="http://schemas.openxmlformats.org/drawingml/2006/main" xmlns:r="http://schemas.openxmlformats.org/officeDocument/2006/relationships" xmlns:p="http://schemas.openxmlformats.org/presentationml/2006/main">
   <p:cSld>
     <p:spTree>
@@ -23412,7 +24969,7 @@
             </a:pPr>
             <a:fld id="{00000000-1234-1234-1234-123412341234}" type="slidenum">
               <a:rPr lang="en"/>
-              <a:t>29</a:t>
+              <a:t>30</a:t>
             </a:fld>
             <a:endParaRPr/>
           </a:p>
@@ -23422,722 +24979,6 @@
     <p:extLst>
       <p:ext uri="{BB962C8B-B14F-4D97-AF65-F5344CB8AC3E}">
         <p14:creationId xmlns:p14="http://schemas.microsoft.com/office/powerpoint/2010/main" val="1749494333"/>
-      </p:ext>
-    </p:extLst>
-  </p:cSld>
-  <p:clrMapOvr>
-    <a:masterClrMapping/>
-  </p:clrMapOvr>
-</p:sld>
-</file>
-
-<file path=ppt/slides/slide3.xml><?xml version="1.0" encoding="utf-8"?>
-<p:sld xmlns:a="http://schemas.openxmlformats.org/drawingml/2006/main" xmlns:r="http://schemas.openxmlformats.org/officeDocument/2006/relationships" xmlns:p="http://schemas.openxmlformats.org/presentationml/2006/main">
-  <p:cSld>
-    <p:spTree>
-      <p:nvGrpSpPr>
-        <p:cNvPr id="1" name="Shape 123"/>
-        <p:cNvGrpSpPr/>
-        <p:nvPr/>
-      </p:nvGrpSpPr>
-      <p:grpSpPr>
-        <a:xfrm>
-          <a:off x="0" y="0"/>
-          <a:ext cx="0" cy="0"/>
-          <a:chOff x="0" y="0"/>
-          <a:chExt cx="0" cy="0"/>
-        </a:xfrm>
-      </p:grpSpPr>
-      <p:sp>
-        <p:nvSpPr>
-          <p:cNvPr id="124" name="Google Shape;124;p17"/>
-          <p:cNvSpPr txBox="1">
-            <a:spLocks noGrp="1"/>
-          </p:cNvSpPr>
-          <p:nvPr>
-            <p:ph type="title"/>
-          </p:nvPr>
-        </p:nvSpPr>
-        <p:spPr>
-          <a:xfrm>
-            <a:off x="1381250" y="896112"/>
-            <a:ext cx="3878400" cy="435600"/>
-          </a:xfrm>
-          <a:prstGeom prst="rect">
-            <a:avLst/>
-          </a:prstGeom>
-        </p:spPr>
-        <p:txBody>
-          <a:bodyPr spcFirstLastPara="1" wrap="square" lIns="91425" tIns="91425" rIns="91425" bIns="91425" anchor="ctr" anchorCtr="0">
-            <a:noAutofit/>
-          </a:bodyPr>
-          <a:lstStyle/>
-          <a:p>
-            <a:pPr lvl="0"/>
-            <a:r>
-              <a:rPr lang="en-PH" dirty="0"/>
-              <a:t>Introduction</a:t>
-            </a:r>
-            <a:endParaRPr dirty="0">
-              <a:highlight>
-                <a:schemeClr val="accent1"/>
-              </a:highlight>
-            </a:endParaRPr>
-          </a:p>
-        </p:txBody>
-      </p:sp>
-      <p:sp>
-        <p:nvSpPr>
-          <p:cNvPr id="125" name="Google Shape;125;p17"/>
-          <p:cNvSpPr txBox="1">
-            <a:spLocks noGrp="1"/>
-          </p:cNvSpPr>
-          <p:nvPr>
-            <p:ph type="body" idx="1"/>
-          </p:nvPr>
-        </p:nvSpPr>
-        <p:spPr>
-          <a:xfrm>
-            <a:off x="1381250" y="1616470"/>
-            <a:ext cx="6809700" cy="3112200"/>
-          </a:xfrm>
-          <a:prstGeom prst="rect">
-            <a:avLst/>
-          </a:prstGeom>
-        </p:spPr>
-        <p:txBody>
-          <a:bodyPr spcFirstLastPara="1" wrap="square" lIns="91425" tIns="91425" rIns="91425" bIns="91425" anchor="t" anchorCtr="0">
-            <a:noAutofit/>
-          </a:bodyPr>
-          <a:lstStyle/>
-          <a:p>
-            <a:pPr marL="76200" indent="0">
-              <a:buNone/>
-            </a:pPr>
-            <a:r>
-              <a:rPr lang="en-US" sz="2000" dirty="0"/>
-              <a:t>Thus, in an effort to improve our understanding of traffic interactions in Philippine roads, the researchers have proposed a vehicle detection and counting system. The proposed project uses a deep-learning based system to detect, classify and count vehicles in real-time. The project aims to provide a systematic solution to counting vehicles and monitoring congestion using computer vision-based techniques. </a:t>
-            </a:r>
-            <a:endParaRPr sz="2000" dirty="0"/>
-          </a:p>
-        </p:txBody>
-      </p:sp>
-      <p:grpSp>
-        <p:nvGrpSpPr>
-          <p:cNvPr id="126" name="Google Shape;126;p17"/>
-          <p:cNvGrpSpPr/>
-          <p:nvPr/>
-        </p:nvGrpSpPr>
-        <p:grpSpPr>
-          <a:xfrm>
-            <a:off x="916458" y="1019750"/>
-            <a:ext cx="214625" cy="214625"/>
-            <a:chOff x="2594050" y="1631825"/>
-            <a:chExt cx="439625" cy="439625"/>
-          </a:xfrm>
-        </p:grpSpPr>
-        <p:sp>
-          <p:nvSpPr>
-            <p:cNvPr id="127" name="Google Shape;127;p17"/>
-            <p:cNvSpPr/>
-            <p:nvPr/>
-          </p:nvSpPr>
-          <p:spPr>
-            <a:xfrm>
-              <a:off x="2594050" y="1883300"/>
-              <a:ext cx="188175" cy="188150"/>
-            </a:xfrm>
-            <a:custGeom>
-              <a:avLst/>
-              <a:gdLst/>
-              <a:ahLst/>
-              <a:cxnLst/>
-              <a:rect l="l" t="t" r="r" b="b"/>
-              <a:pathLst>
-                <a:path w="7527" h="7526" fill="none" extrusionOk="0">
-                  <a:moveTo>
-                    <a:pt x="5992" y="0"/>
-                  </a:moveTo>
-                  <a:lnTo>
-                    <a:pt x="537" y="6430"/>
-                  </a:lnTo>
-                  <a:lnTo>
-                    <a:pt x="1" y="7526"/>
-                  </a:lnTo>
-                  <a:lnTo>
-                    <a:pt x="1097" y="6990"/>
-                  </a:lnTo>
-                  <a:lnTo>
-                    <a:pt x="7526" y="1534"/>
-                  </a:lnTo>
-                  <a:lnTo>
-                    <a:pt x="5992" y="0"/>
-                  </a:lnTo>
-                  <a:close/>
-                </a:path>
-              </a:pathLst>
-            </a:custGeom>
-            <a:noFill/>
-            <a:ln w="9525" cap="rnd" cmpd="sng">
-              <a:solidFill>
-                <a:srgbClr val="000000"/>
-              </a:solidFill>
-              <a:prstDash val="solid"/>
-              <a:round/>
-              <a:headEnd type="none" w="sm" len="sm"/>
-              <a:tailEnd type="none" w="sm" len="sm"/>
-            </a:ln>
-          </p:spPr>
-          <p:txBody>
-            <a:bodyPr spcFirstLastPara="1" wrap="square" lIns="91425" tIns="91425" rIns="91425" bIns="91425" anchor="ctr" anchorCtr="0">
-              <a:noAutofit/>
-            </a:bodyPr>
-            <a:lstStyle/>
-            <a:p>
-              <a:pPr marL="0" lvl="0" indent="0" algn="l" rtl="0">
-                <a:spcBef>
-                  <a:spcPts val="0"/>
-                </a:spcBef>
-                <a:spcAft>
-                  <a:spcPts val="0"/>
-                </a:spcAft>
-                <a:buNone/>
-              </a:pPr>
-              <a:endParaRPr/>
-            </a:p>
-          </p:txBody>
-        </p:sp>
-        <p:sp>
-          <p:nvSpPr>
-            <p:cNvPr id="128" name="Google Shape;128;p17"/>
-            <p:cNvSpPr/>
-            <p:nvPr/>
-          </p:nvSpPr>
-          <p:spPr>
-            <a:xfrm>
-              <a:off x="2857700" y="1631825"/>
-              <a:ext cx="175975" cy="176000"/>
-            </a:xfrm>
-            <a:custGeom>
-              <a:avLst/>
-              <a:gdLst/>
-              <a:ahLst/>
-              <a:cxnLst/>
-              <a:rect l="l" t="t" r="r" b="b"/>
-              <a:pathLst>
-                <a:path w="7039" h="7040" fill="none" extrusionOk="0">
-                  <a:moveTo>
-                    <a:pt x="268" y="2704"/>
-                  </a:moveTo>
-                  <a:lnTo>
-                    <a:pt x="4336" y="6771"/>
-                  </a:lnTo>
-                  <a:lnTo>
-                    <a:pt x="4336" y="6771"/>
-                  </a:lnTo>
-                  <a:lnTo>
-                    <a:pt x="4336" y="6771"/>
-                  </a:lnTo>
-                  <a:lnTo>
-                    <a:pt x="4652" y="6917"/>
-                  </a:lnTo>
-                  <a:lnTo>
-                    <a:pt x="4993" y="7015"/>
-                  </a:lnTo>
-                  <a:lnTo>
-                    <a:pt x="5310" y="7039"/>
-                  </a:lnTo>
-                  <a:lnTo>
-                    <a:pt x="5651" y="7039"/>
-                  </a:lnTo>
-                  <a:lnTo>
-                    <a:pt x="5992" y="6966"/>
-                  </a:lnTo>
-                  <a:lnTo>
-                    <a:pt x="6308" y="6844"/>
-                  </a:lnTo>
-                  <a:lnTo>
-                    <a:pt x="6454" y="6747"/>
-                  </a:lnTo>
-                  <a:lnTo>
-                    <a:pt x="6601" y="6674"/>
-                  </a:lnTo>
-                  <a:lnTo>
-                    <a:pt x="6747" y="6552"/>
-                  </a:lnTo>
-                  <a:lnTo>
-                    <a:pt x="6893" y="6430"/>
-                  </a:lnTo>
-                  <a:lnTo>
-                    <a:pt x="6893" y="6430"/>
-                  </a:lnTo>
-                  <a:lnTo>
-                    <a:pt x="6942" y="6357"/>
-                  </a:lnTo>
-                  <a:lnTo>
-                    <a:pt x="7015" y="6260"/>
-                  </a:lnTo>
-                  <a:lnTo>
-                    <a:pt x="7039" y="6138"/>
-                  </a:lnTo>
-                  <a:lnTo>
-                    <a:pt x="7039" y="6041"/>
-                  </a:lnTo>
-                  <a:lnTo>
-                    <a:pt x="7039" y="6041"/>
-                  </a:lnTo>
-                  <a:lnTo>
-                    <a:pt x="7039" y="5943"/>
-                  </a:lnTo>
-                  <a:lnTo>
-                    <a:pt x="7015" y="5846"/>
-                  </a:lnTo>
-                  <a:lnTo>
-                    <a:pt x="6942" y="5748"/>
-                  </a:lnTo>
-                  <a:lnTo>
-                    <a:pt x="6893" y="5651"/>
-                  </a:lnTo>
-                  <a:lnTo>
-                    <a:pt x="1389" y="147"/>
-                  </a:lnTo>
-                  <a:lnTo>
-                    <a:pt x="1389" y="147"/>
-                  </a:lnTo>
-                  <a:lnTo>
-                    <a:pt x="1291" y="98"/>
-                  </a:lnTo>
-                  <a:lnTo>
-                    <a:pt x="1194" y="25"/>
-                  </a:lnTo>
-                  <a:lnTo>
-                    <a:pt x="1096" y="0"/>
-                  </a:lnTo>
-                  <a:lnTo>
-                    <a:pt x="999" y="0"/>
-                  </a:lnTo>
-                  <a:lnTo>
-                    <a:pt x="999" y="0"/>
-                  </a:lnTo>
-                  <a:lnTo>
-                    <a:pt x="902" y="0"/>
-                  </a:lnTo>
-                  <a:lnTo>
-                    <a:pt x="780" y="25"/>
-                  </a:lnTo>
-                  <a:lnTo>
-                    <a:pt x="682" y="98"/>
-                  </a:lnTo>
-                  <a:lnTo>
-                    <a:pt x="609" y="147"/>
-                  </a:lnTo>
-                  <a:lnTo>
-                    <a:pt x="609" y="147"/>
-                  </a:lnTo>
-                  <a:lnTo>
-                    <a:pt x="487" y="293"/>
-                  </a:lnTo>
-                  <a:lnTo>
-                    <a:pt x="366" y="439"/>
-                  </a:lnTo>
-                  <a:lnTo>
-                    <a:pt x="293" y="585"/>
-                  </a:lnTo>
-                  <a:lnTo>
-                    <a:pt x="195" y="731"/>
-                  </a:lnTo>
-                  <a:lnTo>
-                    <a:pt x="73" y="1048"/>
-                  </a:lnTo>
-                  <a:lnTo>
-                    <a:pt x="0" y="1389"/>
-                  </a:lnTo>
-                  <a:lnTo>
-                    <a:pt x="0" y="1730"/>
-                  </a:lnTo>
-                  <a:lnTo>
-                    <a:pt x="25" y="2046"/>
-                  </a:lnTo>
-                  <a:lnTo>
-                    <a:pt x="122" y="2387"/>
-                  </a:lnTo>
-                  <a:lnTo>
-                    <a:pt x="268" y="2704"/>
-                  </a:lnTo>
-                  <a:lnTo>
-                    <a:pt x="268" y="2704"/>
-                  </a:lnTo>
-                  <a:close/>
-                </a:path>
-              </a:pathLst>
-            </a:custGeom>
-            <a:noFill/>
-            <a:ln w="9525" cap="rnd" cmpd="sng">
-              <a:solidFill>
-                <a:srgbClr val="000000"/>
-              </a:solidFill>
-              <a:prstDash val="solid"/>
-              <a:round/>
-              <a:headEnd type="none" w="sm" len="sm"/>
-              <a:tailEnd type="none" w="sm" len="sm"/>
-            </a:ln>
-          </p:spPr>
-          <p:txBody>
-            <a:bodyPr spcFirstLastPara="1" wrap="square" lIns="91425" tIns="91425" rIns="91425" bIns="91425" anchor="ctr" anchorCtr="0">
-              <a:noAutofit/>
-            </a:bodyPr>
-            <a:lstStyle/>
-            <a:p>
-              <a:pPr marL="0" lvl="0" indent="0" algn="l" rtl="0">
-                <a:spcBef>
-                  <a:spcPts val="0"/>
-                </a:spcBef>
-                <a:spcAft>
-                  <a:spcPts val="0"/>
-                </a:spcAft>
-                <a:buNone/>
-              </a:pPr>
-              <a:endParaRPr/>
-            </a:p>
-          </p:txBody>
-        </p:sp>
-        <p:sp>
-          <p:nvSpPr>
-            <p:cNvPr id="129" name="Google Shape;129;p17"/>
-            <p:cNvSpPr/>
-            <p:nvPr/>
-          </p:nvSpPr>
-          <p:spPr>
-            <a:xfrm>
-              <a:off x="2662850" y="1699400"/>
-              <a:ext cx="303250" cy="303250"/>
-            </a:xfrm>
-            <a:custGeom>
-              <a:avLst/>
-              <a:gdLst/>
-              <a:ahLst/>
-              <a:cxnLst/>
-              <a:rect l="l" t="t" r="r" b="b"/>
-              <a:pathLst>
-                <a:path w="12130" h="12130" fill="none" extrusionOk="0">
-                  <a:moveTo>
-                    <a:pt x="8038" y="1"/>
-                  </a:moveTo>
-                  <a:lnTo>
-                    <a:pt x="4872" y="3191"/>
-                  </a:lnTo>
-                  <a:lnTo>
-                    <a:pt x="4872" y="3191"/>
-                  </a:lnTo>
-                  <a:lnTo>
-                    <a:pt x="4628" y="3094"/>
-                  </a:lnTo>
-                  <a:lnTo>
-                    <a:pt x="4385" y="2997"/>
-                  </a:lnTo>
-                  <a:lnTo>
-                    <a:pt x="4092" y="2899"/>
-                  </a:lnTo>
-                  <a:lnTo>
-                    <a:pt x="3800" y="2850"/>
-                  </a:lnTo>
-                  <a:lnTo>
-                    <a:pt x="3484" y="2777"/>
-                  </a:lnTo>
-                  <a:lnTo>
-                    <a:pt x="3167" y="2729"/>
-                  </a:lnTo>
-                  <a:lnTo>
-                    <a:pt x="2850" y="2704"/>
-                  </a:lnTo>
-                  <a:lnTo>
-                    <a:pt x="2534" y="2704"/>
-                  </a:lnTo>
-                  <a:lnTo>
-                    <a:pt x="2534" y="2704"/>
-                  </a:lnTo>
-                  <a:lnTo>
-                    <a:pt x="2241" y="2704"/>
-                  </a:lnTo>
-                  <a:lnTo>
-                    <a:pt x="1949" y="2729"/>
-                  </a:lnTo>
-                  <a:lnTo>
-                    <a:pt x="1633" y="2777"/>
-                  </a:lnTo>
-                  <a:lnTo>
-                    <a:pt x="1316" y="2850"/>
-                  </a:lnTo>
-                  <a:lnTo>
-                    <a:pt x="999" y="2972"/>
-                  </a:lnTo>
-                  <a:lnTo>
-                    <a:pt x="707" y="3094"/>
-                  </a:lnTo>
-                  <a:lnTo>
-                    <a:pt x="415" y="3289"/>
-                  </a:lnTo>
-                  <a:lnTo>
-                    <a:pt x="147" y="3508"/>
-                  </a:lnTo>
-                  <a:lnTo>
-                    <a:pt x="147" y="3508"/>
-                  </a:lnTo>
-                  <a:lnTo>
-                    <a:pt x="74" y="3581"/>
-                  </a:lnTo>
-                  <a:lnTo>
-                    <a:pt x="25" y="3678"/>
-                  </a:lnTo>
-                  <a:lnTo>
-                    <a:pt x="1" y="3776"/>
-                  </a:lnTo>
-                  <a:lnTo>
-                    <a:pt x="1" y="3898"/>
-                  </a:lnTo>
-                  <a:lnTo>
-                    <a:pt x="1" y="3898"/>
-                  </a:lnTo>
-                  <a:lnTo>
-                    <a:pt x="1" y="3995"/>
-                  </a:lnTo>
-                  <a:lnTo>
-                    <a:pt x="25" y="4093"/>
-                  </a:lnTo>
-                  <a:lnTo>
-                    <a:pt x="74" y="4190"/>
-                  </a:lnTo>
-                  <a:lnTo>
-                    <a:pt x="147" y="4287"/>
-                  </a:lnTo>
-                  <a:lnTo>
-                    <a:pt x="7843" y="11984"/>
-                  </a:lnTo>
-                  <a:lnTo>
-                    <a:pt x="7843" y="11984"/>
-                  </a:lnTo>
-                  <a:lnTo>
-                    <a:pt x="7941" y="12057"/>
-                  </a:lnTo>
-                  <a:lnTo>
-                    <a:pt x="8038" y="12105"/>
-                  </a:lnTo>
-                  <a:lnTo>
-                    <a:pt x="8135" y="12130"/>
-                  </a:lnTo>
-                  <a:lnTo>
-                    <a:pt x="8233" y="12130"/>
-                  </a:lnTo>
-                  <a:lnTo>
-                    <a:pt x="8233" y="12130"/>
-                  </a:lnTo>
-                  <a:lnTo>
-                    <a:pt x="8355" y="12130"/>
-                  </a:lnTo>
-                  <a:lnTo>
-                    <a:pt x="8452" y="12105"/>
-                  </a:lnTo>
-                  <a:lnTo>
-                    <a:pt x="8549" y="12057"/>
-                  </a:lnTo>
-                  <a:lnTo>
-                    <a:pt x="8622" y="11984"/>
-                  </a:lnTo>
-                  <a:lnTo>
-                    <a:pt x="8622" y="11984"/>
-                  </a:lnTo>
-                  <a:lnTo>
-                    <a:pt x="8842" y="11716"/>
-                  </a:lnTo>
-                  <a:lnTo>
-                    <a:pt x="9036" y="11423"/>
-                  </a:lnTo>
-                  <a:lnTo>
-                    <a:pt x="9158" y="11131"/>
-                  </a:lnTo>
-                  <a:lnTo>
-                    <a:pt x="9280" y="10814"/>
-                  </a:lnTo>
-                  <a:lnTo>
-                    <a:pt x="9353" y="10498"/>
-                  </a:lnTo>
-                  <a:lnTo>
-                    <a:pt x="9402" y="10181"/>
-                  </a:lnTo>
-                  <a:lnTo>
-                    <a:pt x="9426" y="9889"/>
-                  </a:lnTo>
-                  <a:lnTo>
-                    <a:pt x="9426" y="9597"/>
-                  </a:lnTo>
-                  <a:lnTo>
-                    <a:pt x="9426" y="9597"/>
-                  </a:lnTo>
-                  <a:lnTo>
-                    <a:pt x="9426" y="9280"/>
-                  </a:lnTo>
-                  <a:lnTo>
-                    <a:pt x="9402" y="8964"/>
-                  </a:lnTo>
-                  <a:lnTo>
-                    <a:pt x="9353" y="8647"/>
-                  </a:lnTo>
-                  <a:lnTo>
-                    <a:pt x="9280" y="8330"/>
-                  </a:lnTo>
-                  <a:lnTo>
-                    <a:pt x="9231" y="8038"/>
-                  </a:lnTo>
-                  <a:lnTo>
-                    <a:pt x="9134" y="7746"/>
-                  </a:lnTo>
-                  <a:lnTo>
-                    <a:pt x="9036" y="7502"/>
-                  </a:lnTo>
-                  <a:lnTo>
-                    <a:pt x="8939" y="7259"/>
-                  </a:lnTo>
-                  <a:lnTo>
-                    <a:pt x="12130" y="4093"/>
-                  </a:lnTo>
-                </a:path>
-              </a:pathLst>
-            </a:custGeom>
-            <a:noFill/>
-            <a:ln w="9525" cap="rnd" cmpd="sng">
-              <a:solidFill>
-                <a:srgbClr val="000000"/>
-              </a:solidFill>
-              <a:prstDash val="solid"/>
-              <a:round/>
-              <a:headEnd type="none" w="sm" len="sm"/>
-              <a:tailEnd type="none" w="sm" len="sm"/>
-            </a:ln>
-          </p:spPr>
-          <p:txBody>
-            <a:bodyPr spcFirstLastPara="1" wrap="square" lIns="91425" tIns="91425" rIns="91425" bIns="91425" anchor="ctr" anchorCtr="0">
-              <a:noAutofit/>
-            </a:bodyPr>
-            <a:lstStyle/>
-            <a:p>
-              <a:pPr marL="0" lvl="0" indent="0" algn="l" rtl="0">
-                <a:spcBef>
-                  <a:spcPts val="0"/>
-                </a:spcBef>
-                <a:spcAft>
-                  <a:spcPts val="0"/>
-                </a:spcAft>
-                <a:buNone/>
-              </a:pPr>
-              <a:endParaRPr/>
-            </a:p>
-          </p:txBody>
-        </p:sp>
-        <p:sp>
-          <p:nvSpPr>
-            <p:cNvPr id="130" name="Google Shape;130;p17"/>
-            <p:cNvSpPr/>
-            <p:nvPr/>
-          </p:nvSpPr>
-          <p:spPr>
-            <a:xfrm>
-              <a:off x="2814912" y="1754062"/>
-              <a:ext cx="49950" cy="49950"/>
-            </a:xfrm>
-            <a:custGeom>
-              <a:avLst/>
-              <a:gdLst/>
-              <a:ahLst/>
-              <a:cxnLst/>
-              <a:rect l="l" t="t" r="r" b="b"/>
-              <a:pathLst>
-                <a:path w="1998" h="1998" fill="none" extrusionOk="0">
-                  <a:moveTo>
-                    <a:pt x="1" y="1997"/>
-                  </a:moveTo>
-                  <a:lnTo>
-                    <a:pt x="1998" y="0"/>
-                  </a:lnTo>
-                </a:path>
-              </a:pathLst>
-            </a:custGeom>
-            <a:noFill/>
-            <a:ln w="9525" cap="rnd" cmpd="sng">
-              <a:solidFill>
-                <a:srgbClr val="000000"/>
-              </a:solidFill>
-              <a:prstDash val="solid"/>
-              <a:round/>
-              <a:headEnd type="none" w="sm" len="sm"/>
-              <a:tailEnd type="none" w="sm" len="sm"/>
-            </a:ln>
-          </p:spPr>
-          <p:txBody>
-            <a:bodyPr spcFirstLastPara="1" wrap="square" lIns="91425" tIns="91425" rIns="91425" bIns="91425" anchor="ctr" anchorCtr="0">
-              <a:noAutofit/>
-            </a:bodyPr>
-            <a:lstStyle/>
-            <a:p>
-              <a:pPr marL="0" lvl="0" indent="0" algn="l" rtl="0">
-                <a:spcBef>
-                  <a:spcPts val="0"/>
-                </a:spcBef>
-                <a:spcAft>
-                  <a:spcPts val="0"/>
-                </a:spcAft>
-                <a:buNone/>
-              </a:pPr>
-              <a:endParaRPr/>
-            </a:p>
-          </p:txBody>
-        </p:sp>
-      </p:grpSp>
-      <p:sp>
-        <p:nvSpPr>
-          <p:cNvPr id="131" name="Google Shape;131;p17"/>
-          <p:cNvSpPr txBox="1">
-            <a:spLocks noGrp="1"/>
-          </p:cNvSpPr>
-          <p:nvPr>
-            <p:ph type="sldNum" idx="12"/>
-          </p:nvPr>
-        </p:nvSpPr>
-        <p:spPr>
-          <a:xfrm>
-            <a:off x="8543227" y="4749851"/>
-            <a:ext cx="548700" cy="393600"/>
-          </a:xfrm>
-          <a:prstGeom prst="rect">
-            <a:avLst/>
-          </a:prstGeom>
-        </p:spPr>
-        <p:txBody>
-          <a:bodyPr spcFirstLastPara="1" wrap="square" lIns="91425" tIns="91425" rIns="91425" bIns="91425" anchor="t" anchorCtr="0">
-            <a:noAutofit/>
-          </a:bodyPr>
-          <a:lstStyle/>
-          <a:p>
-            <a:pPr marL="0" lvl="0" indent="0" algn="r" rtl="0">
-              <a:spcBef>
-                <a:spcPts val="0"/>
-              </a:spcBef>
-              <a:spcAft>
-                <a:spcPts val="0"/>
-              </a:spcAft>
-              <a:buNone/>
-            </a:pPr>
-            <a:fld id="{00000000-1234-1234-1234-123412341234}" type="slidenum">
-              <a:rPr lang="en"/>
-              <a:t>3</a:t>
-            </a:fld>
-            <a:endParaRPr/>
-          </a:p>
-        </p:txBody>
-      </p:sp>
-    </p:spTree>
-    <p:extLst>
-      <p:ext uri="{BB962C8B-B14F-4D97-AF65-F5344CB8AC3E}">
-        <p14:creationId xmlns:p14="http://schemas.microsoft.com/office/powerpoint/2010/main" val="2091699816"/>
       </p:ext>
     </p:extLst>
   </p:cSld>
